--- a/slides/05-data-visualization.pptx
+++ b/slides/05-data-visualization.pptx
@@ -14,10 +14,11 @@
     <p:sldId id="263" r:id="rId8"/>
     <p:sldId id="264" r:id="rId9"/>
     <p:sldId id="265" r:id="rId10"/>
-    <p:sldId id="266" r:id="rId11"/>
-    <p:sldId id="267" r:id="rId12"/>
-    <p:sldId id="269" r:id="rId13"/>
-    <p:sldId id="270" r:id="rId14"/>
+    <p:sldId id="271" r:id="rId11"/>
+    <p:sldId id="266" r:id="rId12"/>
+    <p:sldId id="267" r:id="rId13"/>
+    <p:sldId id="269" r:id="rId14"/>
+    <p:sldId id="270" r:id="rId15"/>
   </p:sldIdLst>
   <p:sldSz cx="12192000" cy="6858000"/>
   <p:notesSz cx="6858000" cy="9144000"/>
@@ -319,7 +320,7 @@
             <a:fld id="{B61BEF0D-F0BB-DE4B-95CE-6DB70DBA9567}" type="datetimeFigureOut">
               <a:rPr lang="en-US" dirty="0"/>
               <a:pPr/>
-              <a:t>3/24/2019</a:t>
+              <a:t>10/24/2020</a:t>
             </a:fld>
             <a:endParaRPr lang="en-US" dirty="0"/>
           </a:p>
@@ -567,7 +568,7 @@
             <a:fld id="{B61BEF0D-F0BB-DE4B-95CE-6DB70DBA9567}" type="datetimeFigureOut">
               <a:rPr lang="en-US" dirty="0"/>
               <a:pPr/>
-              <a:t>3/24/2019</a:t>
+              <a:t>10/24/2020</a:t>
             </a:fld>
             <a:endParaRPr lang="en-US" dirty="0"/>
           </a:p>
@@ -878,7 +879,7 @@
             <a:fld id="{B61BEF0D-F0BB-DE4B-95CE-6DB70DBA9567}" type="datetimeFigureOut">
               <a:rPr lang="en-US" dirty="0"/>
               <a:pPr/>
-              <a:t>3/24/2019</a:t>
+              <a:t>10/24/2020</a:t>
             </a:fld>
             <a:endParaRPr lang="en-US" dirty="0"/>
           </a:p>
@@ -1202,7 +1203,7 @@
             <a:fld id="{B61BEF0D-F0BB-DE4B-95CE-6DB70DBA9567}" type="datetimeFigureOut">
               <a:rPr lang="en-US" dirty="0"/>
               <a:pPr/>
-              <a:t>3/24/2019</a:t>
+              <a:t>10/24/2020</a:t>
             </a:fld>
             <a:endParaRPr lang="en-US" dirty="0"/>
           </a:p>
@@ -1513,7 +1514,7 @@
             <a:fld id="{B61BEF0D-F0BB-DE4B-95CE-6DB70DBA9567}" type="datetimeFigureOut">
               <a:rPr lang="en-US" dirty="0"/>
               <a:pPr/>
-              <a:t>3/24/2019</a:t>
+              <a:t>10/24/2020</a:t>
             </a:fld>
             <a:endParaRPr lang="en-US" dirty="0"/>
           </a:p>
@@ -1897,7 +1898,7 @@
             <a:fld id="{B61BEF0D-F0BB-DE4B-95CE-6DB70DBA9567}" type="datetimeFigureOut">
               <a:rPr lang="en-US" dirty="0"/>
               <a:pPr/>
-              <a:t>3/24/2019</a:t>
+              <a:t>10/24/2020</a:t>
             </a:fld>
             <a:endParaRPr lang="en-US" dirty="0"/>
           </a:p>
@@ -2063,7 +2064,7 @@
           <a:p>
             <a:fld id="{55C6B4A9-1611-4792-9094-5F34BCA07E0B}" type="datetimeFigureOut">
               <a:rPr lang="en-US" dirty="0"/>
-              <a:t>3/24/2019</a:t>
+              <a:t>10/24/2020</a:t>
             </a:fld>
             <a:endParaRPr lang="en-US" dirty="0"/>
           </a:p>
@@ -2239,7 +2240,7 @@
             <a:fld id="{B61BEF0D-F0BB-DE4B-95CE-6DB70DBA9567}" type="datetimeFigureOut">
               <a:rPr lang="en-US" dirty="0"/>
               <a:pPr/>
-              <a:t>3/24/2019</a:t>
+              <a:t>10/24/2020</a:t>
             </a:fld>
             <a:endParaRPr lang="en-US" dirty="0"/>
           </a:p>
@@ -2405,7 +2406,7 @@
           <a:p>
             <a:fld id="{42A54C80-263E-416B-A8E0-580EDEADCBDC}" type="datetimeFigureOut">
               <a:rPr lang="en-US" dirty="0"/>
-              <a:t>3/24/2019</a:t>
+              <a:t>10/24/2020</a:t>
             </a:fld>
             <a:endParaRPr lang="en-US" dirty="0"/>
           </a:p>
@@ -2650,7 +2651,7 @@
             <a:fld id="{B61BEF0D-F0BB-DE4B-95CE-6DB70DBA9567}" type="datetimeFigureOut">
               <a:rPr lang="en-US" dirty="0"/>
               <a:pPr/>
-              <a:t>3/24/2019</a:t>
+              <a:t>10/24/2020</a:t>
             </a:fld>
             <a:endParaRPr lang="en-US" dirty="0"/>
           </a:p>
@@ -2878,7 +2879,7 @@
           <a:p>
             <a:fld id="{42A54C80-263E-416B-A8E0-580EDEADCBDC}" type="datetimeFigureOut">
               <a:rPr lang="en-US" dirty="0"/>
-              <a:t>3/24/2019</a:t>
+              <a:t>10/24/2020</a:t>
             </a:fld>
             <a:endParaRPr lang="en-US" dirty="0"/>
           </a:p>
@@ -3248,7 +3249,7 @@
             <a:fld id="{B61BEF0D-F0BB-DE4B-95CE-6DB70DBA9567}" type="datetimeFigureOut">
               <a:rPr lang="en-US" dirty="0"/>
               <a:pPr/>
-              <a:t>3/24/2019</a:t>
+              <a:t>10/24/2020</a:t>
             </a:fld>
             <a:endParaRPr lang="en-US" dirty="0"/>
           </a:p>
@@ -3368,7 +3369,7 @@
             <a:fld id="{B61BEF0D-F0BB-DE4B-95CE-6DB70DBA9567}" type="datetimeFigureOut">
               <a:rPr lang="en-US" dirty="0"/>
               <a:pPr/>
-              <a:t>3/24/2019</a:t>
+              <a:t>10/24/2020</a:t>
             </a:fld>
             <a:endParaRPr lang="en-US" dirty="0"/>
           </a:p>
@@ -3460,7 +3461,7 @@
             <a:fld id="{B61BEF0D-F0BB-DE4B-95CE-6DB70DBA9567}" type="datetimeFigureOut">
               <a:rPr lang="en-US" dirty="0"/>
               <a:pPr/>
-              <a:t>3/24/2019</a:t>
+              <a:t>10/24/2020</a:t>
             </a:fld>
             <a:endParaRPr lang="en-US" dirty="0"/>
           </a:p>
@@ -3711,7 +3712,7 @@
           <a:p>
             <a:fld id="{42A54C80-263E-416B-A8E0-580EDEADCBDC}" type="datetimeFigureOut">
               <a:rPr lang="en-US" dirty="0"/>
-              <a:t>3/24/2019</a:t>
+              <a:t>10/24/2020</a:t>
             </a:fld>
             <a:endParaRPr lang="en-US" dirty="0"/>
           </a:p>
@@ -3970,7 +3971,7 @@
             <a:fld id="{B61BEF0D-F0BB-DE4B-95CE-6DB70DBA9567}" type="datetimeFigureOut">
               <a:rPr lang="en-US" dirty="0"/>
               <a:pPr/>
-              <a:t>3/24/2019</a:t>
+              <a:t>10/24/2020</a:t>
             </a:fld>
             <a:endParaRPr lang="en-US" dirty="0"/>
           </a:p>
@@ -4180,7 +4181,7 @@
             <a:fld id="{B61BEF0D-F0BB-DE4B-95CE-6DB70DBA9567}" type="datetimeFigureOut">
               <a:rPr lang="en-US" dirty="0"/>
               <a:pPr/>
-              <a:t>3/24/2019</a:t>
+              <a:t>10/24/2020</a:t>
             </a:fld>
             <a:endParaRPr lang="en-US" dirty="0"/>
           </a:p>
@@ -4819,6 +4820,186 @@
           <p:cNvPr id="2" name="제목 1">
             <a:extLst>
               <a:ext uri="{FF2B5EF4-FFF2-40B4-BE49-F238E27FC236}">
+                <a16:creationId xmlns:a16="http://schemas.microsoft.com/office/drawing/2014/main" id="{524F0799-3585-4D69-A8BC-8C3BD438EEA1}"/>
+              </a:ext>
+            </a:extLst>
+          </p:cNvPr>
+          <p:cNvSpPr>
+            <a:spLocks noGrp="1"/>
+          </p:cNvSpPr>
+          <p:nvPr>
+            <p:ph type="title"/>
+          </p:nvPr>
+        </p:nvSpPr>
+        <p:spPr/>
+        <p:txBody>
+          <a:bodyPr/>
+          <a:lstStyle/>
+          <a:p>
+            <a:r>
+              <a:rPr lang="ko-KR" altLang="en-US" dirty="0"/>
+              <a:t>데이터 시각화</a:t>
+            </a:r>
+            <a:br>
+              <a:rPr lang="en-US" altLang="ko-KR" dirty="0"/>
+            </a:br>
+            <a:r>
+              <a:rPr lang="en-US" altLang="ko-KR" sz="2400" dirty="0"/>
+              <a:t>: matplotlib</a:t>
+            </a:r>
+            <a:r>
+              <a:rPr lang="ko-KR" altLang="en-US" sz="2400" dirty="0"/>
+              <a:t> 그래프의 요소들</a:t>
+            </a:r>
+            <a:endParaRPr lang="ko-KR" altLang="en-US" dirty="0"/>
+          </a:p>
+        </p:txBody>
+      </p:sp>
+      <p:sp>
+        <p:nvSpPr>
+          <p:cNvPr id="3" name="내용 개체 틀 2">
+            <a:extLst>
+              <a:ext uri="{FF2B5EF4-FFF2-40B4-BE49-F238E27FC236}">
+                <a16:creationId xmlns:a16="http://schemas.microsoft.com/office/drawing/2014/main" id="{16D02048-41BE-486A-AB27-0B23B1A18578}"/>
+              </a:ext>
+            </a:extLst>
+          </p:cNvPr>
+          <p:cNvSpPr>
+            <a:spLocks noGrp="1"/>
+          </p:cNvSpPr>
+          <p:nvPr>
+            <p:ph idx="1"/>
+          </p:nvPr>
+        </p:nvSpPr>
+        <p:spPr/>
+        <p:txBody>
+          <a:bodyPr/>
+          <a:lstStyle/>
+          <a:p>
+            <a:endParaRPr lang="ko-KR" altLang="en-US"/>
+          </a:p>
+        </p:txBody>
+      </p:sp>
+      <p:pic>
+        <p:nvPicPr>
+          <p:cNvPr id="1026" name="Picture 2" descr="Anatomy of a figure">
+            <a:extLst>
+              <a:ext uri="{FF2B5EF4-FFF2-40B4-BE49-F238E27FC236}">
+                <a16:creationId xmlns:a16="http://schemas.microsoft.com/office/drawing/2014/main" id="{F91270C7-FFF3-4BA9-86B3-FC5FDFD55DAE}"/>
+              </a:ext>
+            </a:extLst>
+          </p:cNvPr>
+          <p:cNvPicPr>
+            <a:picLocks noChangeAspect="1" noChangeArrowheads="1"/>
+          </p:cNvPicPr>
+          <p:nvPr/>
+        </p:nvPicPr>
+        <p:blipFill>
+          <a:blip r:embed="rId2">
+            <a:extLst>
+              <a:ext uri="{28A0092B-C50C-407E-A947-70E740481C1C}">
+                <a14:useLocalDpi xmlns:a14="http://schemas.microsoft.com/office/drawing/2010/main" val="0"/>
+              </a:ext>
+            </a:extLst>
+          </a:blip>
+          <a:srcRect/>
+          <a:stretch>
+            <a:fillRect/>
+          </a:stretch>
+        </p:blipFill>
+        <p:spPr bwMode="auto">
+          <a:xfrm>
+            <a:off x="5334000" y="0"/>
+            <a:ext cx="6858000" cy="6858000"/>
+          </a:xfrm>
+          <a:prstGeom prst="rect">
+            <a:avLst/>
+          </a:prstGeom>
+          <a:noFill/>
+          <a:extLst>
+            <a:ext uri="{909E8E84-426E-40DD-AFC4-6F175D3DCCD1}">
+              <a14:hiddenFill xmlns:a14="http://schemas.microsoft.com/office/drawing/2010/main">
+                <a:solidFill>
+                  <a:srgbClr val="FFFFFF"/>
+                </a:solidFill>
+              </a14:hiddenFill>
+            </a:ext>
+          </a:extLst>
+        </p:spPr>
+      </p:pic>
+      <p:sp>
+        <p:nvSpPr>
+          <p:cNvPr id="4" name="TextBox 3">
+            <a:extLst>
+              <a:ext uri="{FF2B5EF4-FFF2-40B4-BE49-F238E27FC236}">
+                <a16:creationId xmlns:a16="http://schemas.microsoft.com/office/drawing/2014/main" id="{215BC482-4FCD-4A5A-BEE3-D4C59446532D}"/>
+              </a:ext>
+            </a:extLst>
+          </p:cNvPr>
+          <p:cNvSpPr txBox="1"/>
+          <p:nvPr/>
+        </p:nvSpPr>
+        <p:spPr>
+          <a:xfrm>
+            <a:off x="677334" y="6295793"/>
+            <a:ext cx="4696029" cy="307777"/>
+          </a:xfrm>
+          <a:prstGeom prst="rect">
+            <a:avLst/>
+          </a:prstGeom>
+          <a:noFill/>
+        </p:spPr>
+        <p:txBody>
+          <a:bodyPr wrap="none" rtlCol="0">
+            <a:spAutoFit/>
+          </a:bodyPr>
+          <a:lstStyle/>
+          <a:p>
+            <a:r>
+              <a:rPr lang="en-US" altLang="ko-KR" sz="1400" dirty="0">
+                <a:hlinkClick r:id="rId3"/>
+              </a:rPr>
+              <a:t>https://matplotlib.org/gallery/showcase/anatomy.html</a:t>
+            </a:r>
+            <a:endParaRPr lang="ko-KR" altLang="en-US" sz="1400" dirty="0"/>
+          </a:p>
+        </p:txBody>
+      </p:sp>
+    </p:spTree>
+    <p:extLst>
+      <p:ext uri="{BB962C8B-B14F-4D97-AF65-F5344CB8AC3E}">
+        <p14:creationId xmlns:p14="http://schemas.microsoft.com/office/powerpoint/2010/main" val="3010557019"/>
+      </p:ext>
+    </p:extLst>
+  </p:cSld>
+  <p:clrMapOvr>
+    <a:masterClrMapping/>
+  </p:clrMapOvr>
+</p:sld>
+</file>
+
+<file path=ppt/slides/slide11.xml><?xml version="1.0" encoding="utf-8"?>
+<p:sld xmlns:a="http://schemas.openxmlformats.org/drawingml/2006/main" xmlns:r="http://schemas.openxmlformats.org/officeDocument/2006/relationships" xmlns:p="http://schemas.openxmlformats.org/presentationml/2006/main">
+  <p:cSld>
+    <p:spTree>
+      <p:nvGrpSpPr>
+        <p:cNvPr id="1" name=""/>
+        <p:cNvGrpSpPr/>
+        <p:nvPr/>
+      </p:nvGrpSpPr>
+      <p:grpSpPr>
+        <a:xfrm>
+          <a:off x="0" y="0"/>
+          <a:ext cx="0" cy="0"/>
+          <a:chOff x="0" y="0"/>
+          <a:chExt cx="0" cy="0"/>
+        </a:xfrm>
+      </p:grpSpPr>
+      <p:sp>
+        <p:nvSpPr>
+          <p:cNvPr id="2" name="제목 1">
+            <a:extLst>
+              <a:ext uri="{FF2B5EF4-FFF2-40B4-BE49-F238E27FC236}">
                 <a16:creationId xmlns:a16="http://schemas.microsoft.com/office/drawing/2014/main" id="{F6C96537-D74C-4670-901C-994BE2CFA052}"/>
               </a:ext>
             </a:extLst>
@@ -5321,7 +5502,7 @@
 </p:sld>
 </file>
 
-<file path=ppt/slides/slide11.xml><?xml version="1.0" encoding="utf-8"?>
+<file path=ppt/slides/slide12.xml><?xml version="1.0" encoding="utf-8"?>
 <p:sld xmlns:a="http://schemas.openxmlformats.org/drawingml/2006/main" xmlns:r="http://schemas.openxmlformats.org/officeDocument/2006/relationships" xmlns:p="http://schemas.openxmlformats.org/presentationml/2006/main">
   <p:cSld>
     <p:spTree>
@@ -6506,7 +6687,7 @@
 </p:sld>
 </file>
 
-<file path=ppt/slides/slide12.xml><?xml version="1.0" encoding="utf-8"?>
+<file path=ppt/slides/slide13.xml><?xml version="1.0" encoding="utf-8"?>
 <p:sld xmlns:a="http://schemas.openxmlformats.org/drawingml/2006/main" xmlns:r="http://schemas.openxmlformats.org/officeDocument/2006/relationships" xmlns:p="http://schemas.openxmlformats.org/presentationml/2006/main">
   <p:cSld>
     <p:spTree>
@@ -8091,7 +8272,7 @@
 </p:sld>
 </file>
 
-<file path=ppt/slides/slide13.xml><?xml version="1.0" encoding="utf-8"?>
+<file path=ppt/slides/slide14.xml><?xml version="1.0" encoding="utf-8"?>
 <p:sld xmlns:a="http://schemas.openxmlformats.org/drawingml/2006/main" xmlns:r="http://schemas.openxmlformats.org/officeDocument/2006/relationships" xmlns:p="http://schemas.openxmlformats.org/presentationml/2006/main">
   <p:cSld>
     <p:spTree>
